--- a/L01P02 - Smart Technology - Tinkercad - Arduino/L01P02 - LES 04 - Arduino - RGB LED/L01P02 - Week 04 - RGB LED.pptx
+++ b/L01P02 - Smart Technology - Tinkercad - Arduino/L01P02 - LES 04 - Arduino - RGB LED/L01P02 - Week 04 - RGB LED.pptx
@@ -557,6 +557,53 @@
     </pc:docChg>
   </pc:docChgLst>
   <pc:docChgLst>
+    <pc:chgData name="Arjan Kamberg" userId="2cfeac95-aab1-41a7-bca5-796b19d85bc0" providerId="ADAL" clId="{F79FAF97-4546-FA4E-8B77-E1D705A7800E}"/>
+    <pc:docChg chg="modSld">
+      <pc:chgData name="Arjan Kamberg" userId="2cfeac95-aab1-41a7-bca5-796b19d85bc0" providerId="ADAL" clId="{F79FAF97-4546-FA4E-8B77-E1D705A7800E}" dt="2021-03-25T21:17:23.177" v="4"/>
+      <pc:docMkLst>
+        <pc:docMk/>
+      </pc:docMkLst>
+      <pc:sldChg chg="addSp delSp modSp mod">
+        <pc:chgData name="Arjan Kamberg" userId="2cfeac95-aab1-41a7-bca5-796b19d85bc0" providerId="ADAL" clId="{F79FAF97-4546-FA4E-8B77-E1D705A7800E}" dt="2021-03-25T21:17:23.177" v="4"/>
+        <pc:sldMkLst>
+          <pc:docMk/>
+          <pc:sldMk cId="2141729157" sldId="360"/>
+        </pc:sldMkLst>
+        <pc:spChg chg="mod">
+          <ac:chgData name="Arjan Kamberg" userId="2cfeac95-aab1-41a7-bca5-796b19d85bc0" providerId="ADAL" clId="{F79FAF97-4546-FA4E-8B77-E1D705A7800E}" dt="2021-03-25T21:17:13.513" v="1" actId="20577"/>
+          <ac:spMkLst>
+            <pc:docMk/>
+            <pc:sldMk cId="2141729157" sldId="360"/>
+            <ac:spMk id="2" creationId="{FF96216C-A868-884D-9867-B0E0AF546CB8}"/>
+          </ac:spMkLst>
+        </pc:spChg>
+        <pc:spChg chg="add del mod">
+          <ac:chgData name="Arjan Kamberg" userId="2cfeac95-aab1-41a7-bca5-796b19d85bc0" providerId="ADAL" clId="{F79FAF97-4546-FA4E-8B77-E1D705A7800E}" dt="2021-03-25T21:17:23.177" v="4"/>
+          <ac:spMkLst>
+            <pc:docMk/>
+            <pc:sldMk cId="2141729157" sldId="360"/>
+            <ac:spMk id="4" creationId="{E3D4887B-CD36-2E4E-A77F-025BC5A699B5}"/>
+          </ac:spMkLst>
+        </pc:spChg>
+      </pc:sldChg>
+      <pc:sldChg chg="modSp mod">
+        <pc:chgData name="Arjan Kamberg" userId="2cfeac95-aab1-41a7-bca5-796b19d85bc0" providerId="ADAL" clId="{F79FAF97-4546-FA4E-8B77-E1D705A7800E}" dt="2021-03-25T21:17:17.820" v="2" actId="20577"/>
+        <pc:sldMkLst>
+          <pc:docMk/>
+          <pc:sldMk cId="3714023842" sldId="361"/>
+        </pc:sldMkLst>
+        <pc:spChg chg="mod">
+          <ac:chgData name="Arjan Kamberg" userId="2cfeac95-aab1-41a7-bca5-796b19d85bc0" providerId="ADAL" clId="{F79FAF97-4546-FA4E-8B77-E1D705A7800E}" dt="2021-03-25T21:17:17.820" v="2" actId="20577"/>
+          <ac:spMkLst>
+            <pc:docMk/>
+            <pc:sldMk cId="3714023842" sldId="361"/>
+            <ac:spMk id="2" creationId="{FF96216C-A868-884D-9867-B0E0AF546CB8}"/>
+          </ac:spMkLst>
+        </pc:spChg>
+      </pc:sldChg>
+    </pc:docChg>
+  </pc:docChgLst>
+  <pc:docChgLst>
     <pc:chgData name="Arjan Kamberg" userId="2cfeac95-aab1-41a7-bca5-796b19d85bc0" providerId="ADAL" clId="{CAC0DE05-FB81-B247-909C-B48A7A198DF2}"/>
     <pc:docChg chg="custSel delSld modSld">
       <pc:chgData name="Arjan Kamberg" userId="2cfeac95-aab1-41a7-bca5-796b19d85bc0" providerId="ADAL" clId="{CAC0DE05-FB81-B247-909C-B48A7A198DF2}" dt="2022-03-07T16:47:46.935" v="12" actId="2696"/>
@@ -661,53 +708,6 @@
           <pc:docMk/>
           <pc:sldMk cId="239890730" sldId="401"/>
         </pc:sldMkLst>
-      </pc:sldChg>
-    </pc:docChg>
-  </pc:docChgLst>
-  <pc:docChgLst>
-    <pc:chgData name="Arjan Kamberg" userId="2cfeac95-aab1-41a7-bca5-796b19d85bc0" providerId="ADAL" clId="{F79FAF97-4546-FA4E-8B77-E1D705A7800E}"/>
-    <pc:docChg chg="modSld">
-      <pc:chgData name="Arjan Kamberg" userId="2cfeac95-aab1-41a7-bca5-796b19d85bc0" providerId="ADAL" clId="{F79FAF97-4546-FA4E-8B77-E1D705A7800E}" dt="2021-03-25T21:17:23.177" v="4"/>
-      <pc:docMkLst>
-        <pc:docMk/>
-      </pc:docMkLst>
-      <pc:sldChg chg="addSp delSp modSp mod">
-        <pc:chgData name="Arjan Kamberg" userId="2cfeac95-aab1-41a7-bca5-796b19d85bc0" providerId="ADAL" clId="{F79FAF97-4546-FA4E-8B77-E1D705A7800E}" dt="2021-03-25T21:17:23.177" v="4"/>
-        <pc:sldMkLst>
-          <pc:docMk/>
-          <pc:sldMk cId="2141729157" sldId="360"/>
-        </pc:sldMkLst>
-        <pc:spChg chg="mod">
-          <ac:chgData name="Arjan Kamberg" userId="2cfeac95-aab1-41a7-bca5-796b19d85bc0" providerId="ADAL" clId="{F79FAF97-4546-FA4E-8B77-E1D705A7800E}" dt="2021-03-25T21:17:13.513" v="1" actId="20577"/>
-          <ac:spMkLst>
-            <pc:docMk/>
-            <pc:sldMk cId="2141729157" sldId="360"/>
-            <ac:spMk id="2" creationId="{FF96216C-A868-884D-9867-B0E0AF546CB8}"/>
-          </ac:spMkLst>
-        </pc:spChg>
-        <pc:spChg chg="add del mod">
-          <ac:chgData name="Arjan Kamberg" userId="2cfeac95-aab1-41a7-bca5-796b19d85bc0" providerId="ADAL" clId="{F79FAF97-4546-FA4E-8B77-E1D705A7800E}" dt="2021-03-25T21:17:23.177" v="4"/>
-          <ac:spMkLst>
-            <pc:docMk/>
-            <pc:sldMk cId="2141729157" sldId="360"/>
-            <ac:spMk id="4" creationId="{E3D4887B-CD36-2E4E-A77F-025BC5A699B5}"/>
-          </ac:spMkLst>
-        </pc:spChg>
-      </pc:sldChg>
-      <pc:sldChg chg="modSp mod">
-        <pc:chgData name="Arjan Kamberg" userId="2cfeac95-aab1-41a7-bca5-796b19d85bc0" providerId="ADAL" clId="{F79FAF97-4546-FA4E-8B77-E1D705A7800E}" dt="2021-03-25T21:17:17.820" v="2" actId="20577"/>
-        <pc:sldMkLst>
-          <pc:docMk/>
-          <pc:sldMk cId="3714023842" sldId="361"/>
-        </pc:sldMkLst>
-        <pc:spChg chg="mod">
-          <ac:chgData name="Arjan Kamberg" userId="2cfeac95-aab1-41a7-bca5-796b19d85bc0" providerId="ADAL" clId="{F79FAF97-4546-FA4E-8B77-E1D705A7800E}" dt="2021-03-25T21:17:17.820" v="2" actId="20577"/>
-          <ac:spMkLst>
-            <pc:docMk/>
-            <pc:sldMk cId="3714023842" sldId="361"/>
-            <ac:spMk id="2" creationId="{FF96216C-A868-884D-9867-B0E0AF546CB8}"/>
-          </ac:spMkLst>
-        </pc:spChg>
       </pc:sldChg>
     </pc:docChg>
   </pc:docChgLst>
@@ -1332,7 +1332,7 @@
           <a:p>
             <a:fld id="{25ED37B6-3D2B-42F6-B75F-7E9C925A2B78}" type="datetimeFigureOut">
               <a:rPr lang="nl-NL" smtClean="0"/>
-              <a:t>24-11-2022</a:t>
+              <a:t>30-11-2023</a:t>
             </a:fld>
             <a:endParaRPr lang="nl-NL"/>
           </a:p>
@@ -1398,7 +1398,7 @@
           <a:p>
             <a:fld id="{70D9F7AB-EA22-43B3-A547-9779962390FA}" type="slidenum">
               <a:rPr lang="nl-NL" smtClean="0"/>
-              <a:t>‹#›</a:t>
+              <a:t>‹nr.›</a:t>
             </a:fld>
             <a:endParaRPr lang="nl-NL"/>
           </a:p>
@@ -1917,7 +1917,7 @@
           <a:p>
             <a:fld id="{67D95C54-6F9B-4C49-BF56-4D62B2D71ED9}" type="datetimeFigureOut">
               <a:rPr lang="nl-NL" smtClean="0"/>
-              <a:t>24-11-2022</a:t>
+              <a:t>30-11-2023</a:t>
             </a:fld>
             <a:endParaRPr lang="nl-NL"/>
           </a:p>
@@ -2075,7 +2075,7 @@
           <a:p>
             <a:fld id="{03F426EE-4AAC-45A7-A5E5-372300C4F3E7}" type="slidenum">
               <a:rPr lang="nl-NL" smtClean="0"/>
-              <a:t>‹#›</a:t>
+              <a:t>‹nr.›</a:t>
             </a:fld>
             <a:endParaRPr lang="nl-NL"/>
           </a:p>
@@ -8716,6 +8716,103 @@
           </a:p>
         </p:txBody>
       </p:sp>
+      <mc:AlternateContent xmlns:mc="http://schemas.openxmlformats.org/markup-compatibility/2006">
+        <mc:Choice xmlns:pslz="http://schemas.microsoft.com/office/powerpoint/2016/slidezoom" Requires="pslz">
+          <p:graphicFrame>
+            <p:nvGraphicFramePr>
+              <p:cNvPr id="5" name="Diazoom 4">
+                <a:extLst>
+                  <a:ext uri="{FF2B5EF4-FFF2-40B4-BE49-F238E27FC236}">
+                    <a16:creationId xmlns:a16="http://schemas.microsoft.com/office/drawing/2014/main" id="{956D7371-906D-AA42-906E-3DDE14716D39}"/>
+                  </a:ext>
+                </a:extLst>
+              </p:cNvPr>
+              <p:cNvGraphicFramePr>
+                <a:graphicFrameLocks noChangeAspect="1"/>
+              </p:cNvGraphicFramePr>
+              <p:nvPr>
+                <p:extLst>
+                  <p:ext uri="{D42A27DB-BD31-4B8C-83A1-F6EECF244321}">
+                    <p14:modId xmlns:p14="http://schemas.microsoft.com/office/powerpoint/2010/main" val="845259479"/>
+                  </p:ext>
+                </p:extLst>
+              </p:nvPr>
+            </p:nvGraphicFramePr>
+            <p:xfrm>
+              <a:off x="-1533730" y="6020205"/>
+              <a:ext cx="3048000" cy="1714500"/>
+            </p:xfrm>
+            <a:graphic>
+              <a:graphicData uri="http://schemas.microsoft.com/office/powerpoint/2016/slidezoom">
+                <pslz:sldZm>
+                  <pslz:sldZmObj sldId="392" cId="1198307003">
+                    <pslz:zmPr id="{2DDFE17A-7AB3-4DE7-A7CC-35C9B1FD0465}" returnToParent="0" transitionDur="1000">
+                      <p166:blipFill xmlns:p166="http://schemas.microsoft.com/office/powerpoint/2016/6/main">
+                        <a:blip r:embed="rId2"/>
+                        <a:stretch>
+                          <a:fillRect/>
+                        </a:stretch>
+                      </p166:blipFill>
+                      <p166:spPr xmlns:p166="http://schemas.microsoft.com/office/powerpoint/2016/6/main">
+                        <a:xfrm>
+                          <a:off x="0" y="0"/>
+                          <a:ext cx="3048000" cy="1714500"/>
+                        </a:xfrm>
+                        <a:prstGeom prst="rect">
+                          <a:avLst/>
+                        </a:prstGeom>
+                        <a:ln w="3175">
+                          <a:solidFill>
+                            <a:prstClr val="ltGray"/>
+                          </a:solidFill>
+                        </a:ln>
+                      </p166:spPr>
+                    </pslz:zmPr>
+                  </pslz:sldZmObj>
+                </pslz:sldZm>
+              </a:graphicData>
+            </a:graphic>
+          </p:graphicFrame>
+        </mc:Choice>
+        <mc:Fallback>
+          <p:pic>
+            <p:nvPicPr>
+              <p:cNvPr id="5" name="Diazoom 4">
+                <a:hlinkClick r:id="rId3" action="ppaction://hlinksldjump"/>
+                <a:extLst>
+                  <a:ext uri="{FF2B5EF4-FFF2-40B4-BE49-F238E27FC236}">
+                    <a16:creationId xmlns:a16="http://schemas.microsoft.com/office/drawing/2014/main" id="{956D7371-906D-AA42-906E-3DDE14716D39}"/>
+                  </a:ext>
+                </a:extLst>
+              </p:cNvPr>
+              <p:cNvPicPr>
+                <a:picLocks noGrp="1" noRot="1" noChangeAspect="1" noMove="1" noResize="1" noEditPoints="1" noAdjustHandles="1" noChangeArrowheads="1" noChangeShapeType="1"/>
+              </p:cNvPicPr>
+              <p:nvPr/>
+            </p:nvPicPr>
+            <p:blipFill>
+              <a:blip r:embed="rId2"/>
+              <a:stretch>
+                <a:fillRect/>
+              </a:stretch>
+            </p:blipFill>
+            <p:spPr>
+              <a:xfrm>
+                <a:off x="-1533730" y="6020205"/>
+                <a:ext cx="3048000" cy="1714500"/>
+              </a:xfrm>
+              <a:prstGeom prst="rect">
+                <a:avLst/>
+              </a:prstGeom>
+              <a:ln w="3175">
+                <a:solidFill>
+                  <a:prstClr val="ltGray"/>
+                </a:solidFill>
+              </a:ln>
+            </p:spPr>
+          </p:pic>
+        </mc:Fallback>
+      </mc:AlternateContent>
     </p:spTree>
     <p:extLst>
       <p:ext uri="{BB962C8B-B14F-4D97-AF65-F5344CB8AC3E}">
@@ -11528,12 +11625,6 @@
 </file>
 
 <file path=customXml/item1.xml><?xml version="1.0" encoding="utf-8"?>
-<p:properties xmlns:p="http://schemas.microsoft.com/office/2006/metadata/properties" xmlns:xsi="http://www.w3.org/2001/XMLSchema-instance" xmlns:pc="http://schemas.microsoft.com/office/infopath/2007/PartnerControls">
-  <documentManagement/>
-</p:properties>
-</file>
-
-<file path=customXml/item2.xml><?xml version="1.0" encoding="utf-8"?>
 <ct:contentTypeSchema xmlns:ct="http://schemas.microsoft.com/office/2006/metadata/contentType" xmlns:ma="http://schemas.microsoft.com/office/2006/metadata/properties/metaAttributes" ct:_="" ma:_="" ma:contentTypeName="Document" ma:contentTypeID="0x0101004EE29C275B0330428D2BFA2C8D576F4B" ma:contentTypeVersion="0" ma:contentTypeDescription="Een nieuw document maken." ma:contentTypeScope="" ma:versionID="6f3e0ea117c09d99e40ae3b100a299dc">
   <xsd:schema xmlns:xsd="http://www.w3.org/2001/XMLSchema" xmlns:xs="http://www.w3.org/2001/XMLSchema" xmlns:p="http://schemas.microsoft.com/office/2006/metadata/properties" targetNamespace="http://schemas.microsoft.com/office/2006/metadata/properties" ma:root="true" ma:fieldsID="1978a156f712f99d6452530788f7ffe9">
     <xsd:element name="properties">
@@ -11647,6 +11738,12 @@
 </ct:contentTypeSchema>
 </file>
 
+<file path=customXml/item2.xml><?xml version="1.0" encoding="utf-8"?>
+<p:properties xmlns:p="http://schemas.microsoft.com/office/2006/metadata/properties" xmlns:xsi="http://www.w3.org/2001/XMLSchema-instance" xmlns:pc="http://schemas.microsoft.com/office/infopath/2007/PartnerControls">
+  <documentManagement/>
+</p:properties>
+</file>
+
 <file path=customXml/item3.xml><?xml version="1.0" encoding="utf-8"?>
 <?mso-contentType ?>
 <FormTemplates xmlns="http://schemas.microsoft.com/sharepoint/v3/contenttype/forms">
@@ -11657,21 +11754,6 @@
 </file>
 
 <file path=customXml/itemProps1.xml><?xml version="1.0" encoding="utf-8"?>
-<ds:datastoreItem xmlns:ds="http://schemas.openxmlformats.org/officeDocument/2006/customXml" ds:itemID="{A03AAC8F-903D-4F48-B309-C4EB3B4EEDDC}">
-  <ds:schemaRefs>
-    <ds:schemaRef ds:uri="http://schemas.microsoft.com/office/2006/metadata/properties"/>
-    <ds:schemaRef ds:uri="http://purl.org/dc/terms/"/>
-    <ds:schemaRef ds:uri="http://purl.org/dc/elements/1.1/"/>
-    <ds:schemaRef ds:uri="http://schemas.microsoft.com/office/2006/documentManagement/types"/>
-    <ds:schemaRef ds:uri="http://purl.org/dc/dcmitype/"/>
-    <ds:schemaRef ds:uri="http://schemas.openxmlformats.org/package/2006/metadata/core-properties"/>
-    <ds:schemaRef ds:uri="http://schemas.microsoft.com/office/infopath/2007/PartnerControls"/>
-    <ds:schemaRef ds:uri="http://www.w3.org/XML/1998/namespace"/>
-  </ds:schemaRefs>
-</ds:datastoreItem>
-</file>
-
-<file path=customXml/itemProps2.xml><?xml version="1.0" encoding="utf-8"?>
 <ds:datastoreItem xmlns:ds="http://schemas.openxmlformats.org/officeDocument/2006/customXml" ds:itemID="{7C812B3D-632E-45B1-BE3D-5F5FC6F96A1A}">
   <ds:schemaRefs>
     <ds:schemaRef ds:uri="http://schemas.microsoft.com/office/2006/metadata/contentType"/>
@@ -11687,6 +11769,21 @@
 </ds:datastoreItem>
 </file>
 
+<file path=customXml/itemProps2.xml><?xml version="1.0" encoding="utf-8"?>
+<ds:datastoreItem xmlns:ds="http://schemas.openxmlformats.org/officeDocument/2006/customXml" ds:itemID="{A03AAC8F-903D-4F48-B309-C4EB3B4EEDDC}">
+  <ds:schemaRefs>
+    <ds:schemaRef ds:uri="http://schemas.microsoft.com/office/2006/metadata/properties"/>
+    <ds:schemaRef ds:uri="http://purl.org/dc/terms/"/>
+    <ds:schemaRef ds:uri="http://purl.org/dc/elements/1.1/"/>
+    <ds:schemaRef ds:uri="http://schemas.microsoft.com/office/2006/documentManagement/types"/>
+    <ds:schemaRef ds:uri="http://purl.org/dc/dcmitype/"/>
+    <ds:schemaRef ds:uri="http://schemas.openxmlformats.org/package/2006/metadata/core-properties"/>
+    <ds:schemaRef ds:uri="http://schemas.microsoft.com/office/infopath/2007/PartnerControls"/>
+    <ds:schemaRef ds:uri="http://www.w3.org/XML/1998/namespace"/>
+  </ds:schemaRefs>
+</ds:datastoreItem>
+</file>
+
 <file path=customXml/itemProps3.xml><?xml version="1.0" encoding="utf-8"?>
 <ds:datastoreItem xmlns:ds="http://schemas.openxmlformats.org/officeDocument/2006/customXml" ds:itemID="{C58370CC-8AF3-4E85-911D-3C7AD1FAAE10}">
   <ds:schemaRefs>
